--- a/images/experiments/Glaxo.pptx
+++ b/images/experiments/Glaxo.pptx
@@ -172,7 +172,7 @@
                   <c:v>Gleichheit</c:v>
                 </c:pt>
                 <c:pt idx="1">
-                  <c:v>Schitt</c:v>
+                  <c:v>Schnitt</c:v>
                 </c:pt>
                 <c:pt idx="2">
                   <c:v>Untermenge</c:v>
@@ -229,7 +229,7 @@
                   <c:v>Gleichheit</c:v>
                 </c:pt>
                 <c:pt idx="1">
-                  <c:v>Schitt</c:v>
+                  <c:v>Schnitt</c:v>
                 </c:pt>
                 <c:pt idx="2">
                   <c:v>Untermenge</c:v>
@@ -286,7 +286,7 @@
                   <c:v>Gleichheit</c:v>
                 </c:pt>
                 <c:pt idx="1">
-                  <c:v>Schitt</c:v>
+                  <c:v>Schnitt</c:v>
                 </c:pt>
                 <c:pt idx="2">
                   <c:v>Untermenge</c:v>
@@ -343,7 +343,7 @@
                   <c:v>Gleichheit</c:v>
                 </c:pt>
                 <c:pt idx="1">
-                  <c:v>Schitt</c:v>
+                  <c:v>Schnitt</c:v>
                 </c:pt>
                 <c:pt idx="2">
                   <c:v>Untermenge</c:v>
@@ -400,7 +400,7 @@
                   <c:v>Gleichheit</c:v>
                 </c:pt>
                 <c:pt idx="1">
-                  <c:v>Schitt</c:v>
+                  <c:v>Schnitt</c:v>
                 </c:pt>
                 <c:pt idx="2">
                   <c:v>Untermenge</c:v>
@@ -462,7 +462,7 @@
                   <c:v>Gleichheit</c:v>
                 </c:pt>
                 <c:pt idx="1">
-                  <c:v>Schitt</c:v>
+                  <c:v>Schnitt</c:v>
                 </c:pt>
                 <c:pt idx="2">
                   <c:v>Untermenge</c:v>
@@ -526,7 +526,7 @@
                   <c:v>Gleichheit</c:v>
                 </c:pt>
                 <c:pt idx="1">
-                  <c:v>Schitt</c:v>
+                  <c:v>Schnitt</c:v>
                 </c:pt>
                 <c:pt idx="2">
                   <c:v>Untermenge</c:v>
@@ -569,11 +569,11 @@
         </c:dLbls>
         <c:gapWidth val="150"/>
         <c:overlap val="100"/>
-        <c:axId val="-2122479144"/>
-        <c:axId val="-2122656440"/>
+        <c:axId val="2092334488"/>
+        <c:axId val="2092337368"/>
       </c:barChart>
       <c:catAx>
-        <c:axId val="-2122479144"/>
+        <c:axId val="2092334488"/>
         <c:scaling>
           <c:orientation val="minMax"/>
         </c:scaling>
@@ -582,7 +582,7 @@
         <c:majorTickMark val="out"/>
         <c:minorTickMark val="none"/>
         <c:tickLblPos val="nextTo"/>
-        <c:crossAx val="-2122656440"/>
+        <c:crossAx val="2092337368"/>
         <c:crosses val="autoZero"/>
         <c:auto val="1"/>
         <c:lblAlgn val="ctr"/>
@@ -590,7 +590,7 @@
         <c:noMultiLvlLbl val="0"/>
       </c:catAx>
       <c:valAx>
-        <c:axId val="-2122656440"/>
+        <c:axId val="2092337368"/>
         <c:scaling>
           <c:orientation val="minMax"/>
           <c:max val="200.0"/>
@@ -602,7 +602,7 @@
         <c:majorTickMark val="out"/>
         <c:minorTickMark val="none"/>
         <c:tickLblPos val="nextTo"/>
-        <c:crossAx val="-2122479144"/>
+        <c:crossAx val="2092334488"/>
         <c:crosses val="autoZero"/>
         <c:crossBetween val="between"/>
       </c:valAx>
@@ -808,7 +808,7 @@
           <a:p>
             <a:fld id="{A972536A-5780-CD44-AC5B-9A18C78526C7}" type="datetimeFigureOut">
               <a:rPr lang="de-DE" smtClean="0"/>
-              <a:t>15.10.15</a:t>
+              <a:t>27.10.15</a:t>
             </a:fld>
             <a:endParaRPr lang="de-DE"/>
           </a:p>
@@ -978,7 +978,7 @@
           <a:p>
             <a:fld id="{A972536A-5780-CD44-AC5B-9A18C78526C7}" type="datetimeFigureOut">
               <a:rPr lang="de-DE" smtClean="0"/>
-              <a:t>15.10.15</a:t>
+              <a:t>27.10.15</a:t>
             </a:fld>
             <a:endParaRPr lang="de-DE"/>
           </a:p>
@@ -1158,7 +1158,7 @@
           <a:p>
             <a:fld id="{A972536A-5780-CD44-AC5B-9A18C78526C7}" type="datetimeFigureOut">
               <a:rPr lang="de-DE" smtClean="0"/>
-              <a:t>15.10.15</a:t>
+              <a:t>27.10.15</a:t>
             </a:fld>
             <a:endParaRPr lang="de-DE"/>
           </a:p>
@@ -1328,7 +1328,7 @@
           <a:p>
             <a:fld id="{A972536A-5780-CD44-AC5B-9A18C78526C7}" type="datetimeFigureOut">
               <a:rPr lang="de-DE" smtClean="0"/>
-              <a:t>15.10.15</a:t>
+              <a:t>27.10.15</a:t>
             </a:fld>
             <a:endParaRPr lang="de-DE"/>
           </a:p>
@@ -1574,7 +1574,7 @@
           <a:p>
             <a:fld id="{A972536A-5780-CD44-AC5B-9A18C78526C7}" type="datetimeFigureOut">
               <a:rPr lang="de-DE" smtClean="0"/>
-              <a:t>15.10.15</a:t>
+              <a:t>27.10.15</a:t>
             </a:fld>
             <a:endParaRPr lang="de-DE"/>
           </a:p>
@@ -1862,7 +1862,7 @@
           <a:p>
             <a:fld id="{A972536A-5780-CD44-AC5B-9A18C78526C7}" type="datetimeFigureOut">
               <a:rPr lang="de-DE" smtClean="0"/>
-              <a:t>15.10.15</a:t>
+              <a:t>27.10.15</a:t>
             </a:fld>
             <a:endParaRPr lang="de-DE"/>
           </a:p>
@@ -2289,7 +2289,7 @@
           <a:p>
             <a:fld id="{A972536A-5780-CD44-AC5B-9A18C78526C7}" type="datetimeFigureOut">
               <a:rPr lang="de-DE" smtClean="0"/>
-              <a:t>15.10.15</a:t>
+              <a:t>27.10.15</a:t>
             </a:fld>
             <a:endParaRPr lang="de-DE"/>
           </a:p>
@@ -2407,7 +2407,7 @@
           <a:p>
             <a:fld id="{A972536A-5780-CD44-AC5B-9A18C78526C7}" type="datetimeFigureOut">
               <a:rPr lang="de-DE" smtClean="0"/>
-              <a:t>15.10.15</a:t>
+              <a:t>27.10.15</a:t>
             </a:fld>
             <a:endParaRPr lang="de-DE"/>
           </a:p>
@@ -2502,7 +2502,7 @@
           <a:p>
             <a:fld id="{A972536A-5780-CD44-AC5B-9A18C78526C7}" type="datetimeFigureOut">
               <a:rPr lang="de-DE" smtClean="0"/>
-              <a:t>15.10.15</a:t>
+              <a:t>27.10.15</a:t>
             </a:fld>
             <a:endParaRPr lang="de-DE"/>
           </a:p>
@@ -2779,7 +2779,7 @@
           <a:p>
             <a:fld id="{A972536A-5780-CD44-AC5B-9A18C78526C7}" type="datetimeFigureOut">
               <a:rPr lang="de-DE" smtClean="0"/>
-              <a:t>15.10.15</a:t>
+              <a:t>27.10.15</a:t>
             </a:fld>
             <a:endParaRPr lang="de-DE"/>
           </a:p>
@@ -3032,7 +3032,7 @@
           <a:p>
             <a:fld id="{A972536A-5780-CD44-AC5B-9A18C78526C7}" type="datetimeFigureOut">
               <a:rPr lang="de-DE" smtClean="0"/>
-              <a:t>15.10.15</a:t>
+              <a:t>27.10.15</a:t>
             </a:fld>
             <a:endParaRPr lang="de-DE"/>
           </a:p>
@@ -3245,7 +3245,7 @@
           <a:p>
             <a:fld id="{A972536A-5780-CD44-AC5B-9A18C78526C7}" type="datetimeFigureOut">
               <a:rPr lang="de-DE" smtClean="0"/>
-              <a:t>15.10.15</a:t>
+              <a:t>27.10.15</a:t>
             </a:fld>
             <a:endParaRPr lang="de-DE"/>
           </a:p>
@@ -3627,7 +3627,7 @@
           <p:nvPr>
             <p:extLst>
               <p:ext uri="{D42A27DB-BD31-4B8C-83A1-F6EECF244321}">
-                <p14:modId xmlns:p14="http://schemas.microsoft.com/office/powerpoint/2010/main" val="914154814"/>
+                <p14:modId xmlns:p14="http://schemas.microsoft.com/office/powerpoint/2010/main" val="1101769705"/>
               </p:ext>
             </p:extLst>
           </p:nvPr>
